--- a/ppt 16-9/0412.主是释放者.pptx
+++ b/ppt 16-9/0412.主是释放者.pptx
@@ -5,7 +5,7 @@
     <p:sldMasterId id="2147483648" r:id="rId1"/>
   </p:sldMasterIdLst>
   <p:sldIdLst>
-    <p:sldId id="2887" r:id="rId2"/>
+    <p:sldId id="2889" r:id="rId2"/>
   </p:sldIdLst>
   <p:sldSz cx="12192000" cy="6858000"/>
   <p:notesSz cx="6858000" cy="9144000"/>
@@ -129,7 +129,7 @@
           <p:cNvPr id="2" name="标题 1">
             <a:extLst>
               <a:ext uri="{FF2B5EF4-FFF2-40B4-BE49-F238E27FC236}">
-                <a16:creationId xmlns:a16="http://schemas.microsoft.com/office/drawing/2014/main" id="{608ECB9F-3F9D-5AAB-39FA-2BEC26D8BF30}"/>
+                <a16:creationId xmlns:a16="http://schemas.microsoft.com/office/drawing/2014/main" id="{678AA3B0-918F-DDFC-A440-0EF91A74B9E6}"/>
               </a:ext>
             </a:extLst>
           </p:cNvPr>
@@ -166,7 +166,7 @@
           <p:cNvPr id="3" name="副标题 2">
             <a:extLst>
               <a:ext uri="{FF2B5EF4-FFF2-40B4-BE49-F238E27FC236}">
-                <a16:creationId xmlns:a16="http://schemas.microsoft.com/office/drawing/2014/main" id="{B5365B71-2A50-2D86-0DFF-66D758D2CFB3}"/>
+                <a16:creationId xmlns:a16="http://schemas.microsoft.com/office/drawing/2014/main" id="{984047A1-5F16-A468-E05D-4EB28D1610AE}"/>
               </a:ext>
             </a:extLst>
           </p:cNvPr>
@@ -236,7 +236,7 @@
           <p:cNvPr id="4" name="日期占位符 3">
             <a:extLst>
               <a:ext uri="{FF2B5EF4-FFF2-40B4-BE49-F238E27FC236}">
-                <a16:creationId xmlns:a16="http://schemas.microsoft.com/office/drawing/2014/main" id="{8C0F55CE-6291-0A84-FA62-B3327EFA6D6D}"/>
+                <a16:creationId xmlns:a16="http://schemas.microsoft.com/office/drawing/2014/main" id="{56FBA3F5-A728-915A-9657-FC0D4F6C4C1F}"/>
               </a:ext>
             </a:extLst>
           </p:cNvPr>
@@ -252,7 +252,7 @@
           <a:bodyPr/>
           <a:lstStyle/>
           <a:p>
-            <a:fld id="{2719F5D7-7E2B-41D6-99F8-BED3B1524827}" type="datetimeFigureOut">
+            <a:fld id="{0C3EE303-75A6-4C1C-A064-CE1C04742F9E}" type="datetimeFigureOut">
               <a:rPr lang="zh-CN" altLang="en-US" smtClean="0"/>
               <a:t>2024/3/10</a:t>
             </a:fld>
@@ -265,7 +265,7 @@
           <p:cNvPr id="5" name="页脚占位符 4">
             <a:extLst>
               <a:ext uri="{FF2B5EF4-FFF2-40B4-BE49-F238E27FC236}">
-                <a16:creationId xmlns:a16="http://schemas.microsoft.com/office/drawing/2014/main" id="{4D72D18A-F583-EB20-9275-723EDBEEBF11}"/>
+                <a16:creationId xmlns:a16="http://schemas.microsoft.com/office/drawing/2014/main" id="{908D09C8-A9FF-8144-CCC8-32DE9A38C67A}"/>
               </a:ext>
             </a:extLst>
           </p:cNvPr>
@@ -290,7 +290,7 @@
           <p:cNvPr id="6" name="灯片编号占位符 5">
             <a:extLst>
               <a:ext uri="{FF2B5EF4-FFF2-40B4-BE49-F238E27FC236}">
-                <a16:creationId xmlns:a16="http://schemas.microsoft.com/office/drawing/2014/main" id="{16DEF767-1B2E-646A-8619-080DD4FF71D4}"/>
+                <a16:creationId xmlns:a16="http://schemas.microsoft.com/office/drawing/2014/main" id="{DE53FFDF-8D8D-1739-6474-CED34AA37F4E}"/>
               </a:ext>
             </a:extLst>
           </p:cNvPr>
@@ -306,7 +306,7 @@
           <a:bodyPr/>
           <a:lstStyle/>
           <a:p>
-            <a:fld id="{AEFFEFF5-6282-4123-BD4C-5BA6409D3199}" type="slidenum">
+            <a:fld id="{A61DFC18-B829-4749-9DDB-2D16B5E2AFAE}" type="slidenum">
               <a:rPr lang="zh-CN" altLang="en-US" smtClean="0"/>
               <a:t>‹#›</a:t>
             </a:fld>
@@ -317,7 +317,7 @@
     </p:spTree>
     <p:extLst>
       <p:ext uri="{BB962C8B-B14F-4D97-AF65-F5344CB8AC3E}">
-        <p14:creationId xmlns:p14="http://schemas.microsoft.com/office/powerpoint/2010/main" val="4227645546"/>
+        <p14:creationId xmlns:p14="http://schemas.microsoft.com/office/powerpoint/2010/main" val="2211330271"/>
       </p:ext>
     </p:extLst>
   </p:cSld>
@@ -349,7 +349,7 @@
           <p:cNvPr id="2" name="标题 1">
             <a:extLst>
               <a:ext uri="{FF2B5EF4-FFF2-40B4-BE49-F238E27FC236}">
-                <a16:creationId xmlns:a16="http://schemas.microsoft.com/office/drawing/2014/main" id="{BB126371-6908-9A67-9443-595C3BD83C10}"/>
+                <a16:creationId xmlns:a16="http://schemas.microsoft.com/office/drawing/2014/main" id="{0264D86C-447A-C9ED-80F4-328BE536D0AE}"/>
               </a:ext>
             </a:extLst>
           </p:cNvPr>
@@ -377,7 +377,7 @@
           <p:cNvPr id="3" name="竖排文字占位符 2">
             <a:extLst>
               <a:ext uri="{FF2B5EF4-FFF2-40B4-BE49-F238E27FC236}">
-                <a16:creationId xmlns:a16="http://schemas.microsoft.com/office/drawing/2014/main" id="{86B31063-84BA-7A57-64D5-F5745BAE3417}"/>
+                <a16:creationId xmlns:a16="http://schemas.microsoft.com/office/drawing/2014/main" id="{ACD02F31-9241-4696-A4C1-F9FACC07F9E7}"/>
               </a:ext>
             </a:extLst>
           </p:cNvPr>
@@ -434,7 +434,7 @@
           <p:cNvPr id="4" name="日期占位符 3">
             <a:extLst>
               <a:ext uri="{FF2B5EF4-FFF2-40B4-BE49-F238E27FC236}">
-                <a16:creationId xmlns:a16="http://schemas.microsoft.com/office/drawing/2014/main" id="{B436DD55-465F-205F-85BC-395F20C32BDF}"/>
+                <a16:creationId xmlns:a16="http://schemas.microsoft.com/office/drawing/2014/main" id="{36A29DA1-4233-3A0C-184B-3FA89813A301}"/>
               </a:ext>
             </a:extLst>
           </p:cNvPr>
@@ -450,7 +450,7 @@
           <a:bodyPr/>
           <a:lstStyle/>
           <a:p>
-            <a:fld id="{2719F5D7-7E2B-41D6-99F8-BED3B1524827}" type="datetimeFigureOut">
+            <a:fld id="{0C3EE303-75A6-4C1C-A064-CE1C04742F9E}" type="datetimeFigureOut">
               <a:rPr lang="zh-CN" altLang="en-US" smtClean="0"/>
               <a:t>2024/3/10</a:t>
             </a:fld>
@@ -463,7 +463,7 @@
           <p:cNvPr id="5" name="页脚占位符 4">
             <a:extLst>
               <a:ext uri="{FF2B5EF4-FFF2-40B4-BE49-F238E27FC236}">
-                <a16:creationId xmlns:a16="http://schemas.microsoft.com/office/drawing/2014/main" id="{DCECB8A4-9A76-34D6-AAE3-E8D88BE73203}"/>
+                <a16:creationId xmlns:a16="http://schemas.microsoft.com/office/drawing/2014/main" id="{966CE3F3-E293-61C4-63C2-9D163B87F296}"/>
               </a:ext>
             </a:extLst>
           </p:cNvPr>
@@ -488,7 +488,7 @@
           <p:cNvPr id="6" name="灯片编号占位符 5">
             <a:extLst>
               <a:ext uri="{FF2B5EF4-FFF2-40B4-BE49-F238E27FC236}">
-                <a16:creationId xmlns:a16="http://schemas.microsoft.com/office/drawing/2014/main" id="{5F1AD851-3439-027D-7655-4C938BCC2E45}"/>
+                <a16:creationId xmlns:a16="http://schemas.microsoft.com/office/drawing/2014/main" id="{B71052C9-AE8B-508B-35B3-565EB24779B1}"/>
               </a:ext>
             </a:extLst>
           </p:cNvPr>
@@ -504,7 +504,7 @@
           <a:bodyPr/>
           <a:lstStyle/>
           <a:p>
-            <a:fld id="{AEFFEFF5-6282-4123-BD4C-5BA6409D3199}" type="slidenum">
+            <a:fld id="{A61DFC18-B829-4749-9DDB-2D16B5E2AFAE}" type="slidenum">
               <a:rPr lang="zh-CN" altLang="en-US" smtClean="0"/>
               <a:t>‹#›</a:t>
             </a:fld>
@@ -515,7 +515,7 @@
     </p:spTree>
     <p:extLst>
       <p:ext uri="{BB962C8B-B14F-4D97-AF65-F5344CB8AC3E}">
-        <p14:creationId xmlns:p14="http://schemas.microsoft.com/office/powerpoint/2010/main" val="2956844825"/>
+        <p14:creationId xmlns:p14="http://schemas.microsoft.com/office/powerpoint/2010/main" val="730756483"/>
       </p:ext>
     </p:extLst>
   </p:cSld>
@@ -547,7 +547,7 @@
           <p:cNvPr id="2" name="竖排标题 1">
             <a:extLst>
               <a:ext uri="{FF2B5EF4-FFF2-40B4-BE49-F238E27FC236}">
-                <a16:creationId xmlns:a16="http://schemas.microsoft.com/office/drawing/2014/main" id="{83F2F42E-03EE-2D1B-C375-9F3AD7398DEA}"/>
+                <a16:creationId xmlns:a16="http://schemas.microsoft.com/office/drawing/2014/main" id="{452CF96B-AD52-972C-88BA-037ACA1108D2}"/>
               </a:ext>
             </a:extLst>
           </p:cNvPr>
@@ -580,7 +580,7 @@
           <p:cNvPr id="3" name="竖排文字占位符 2">
             <a:extLst>
               <a:ext uri="{FF2B5EF4-FFF2-40B4-BE49-F238E27FC236}">
-                <a16:creationId xmlns:a16="http://schemas.microsoft.com/office/drawing/2014/main" id="{8C676CB6-EA4D-F377-E3A2-DA759773CB9C}"/>
+                <a16:creationId xmlns:a16="http://schemas.microsoft.com/office/drawing/2014/main" id="{95831B08-E117-E2EC-0037-5980C2355736}"/>
               </a:ext>
             </a:extLst>
           </p:cNvPr>
@@ -642,7 +642,7 @@
           <p:cNvPr id="4" name="日期占位符 3">
             <a:extLst>
               <a:ext uri="{FF2B5EF4-FFF2-40B4-BE49-F238E27FC236}">
-                <a16:creationId xmlns:a16="http://schemas.microsoft.com/office/drawing/2014/main" id="{91D45151-5716-EE39-C31E-2EFDB9CC10E8}"/>
+                <a16:creationId xmlns:a16="http://schemas.microsoft.com/office/drawing/2014/main" id="{C22BEEC1-E48F-ED51-6152-D8013D9EC122}"/>
               </a:ext>
             </a:extLst>
           </p:cNvPr>
@@ -658,7 +658,7 @@
           <a:bodyPr/>
           <a:lstStyle/>
           <a:p>
-            <a:fld id="{2719F5D7-7E2B-41D6-99F8-BED3B1524827}" type="datetimeFigureOut">
+            <a:fld id="{0C3EE303-75A6-4C1C-A064-CE1C04742F9E}" type="datetimeFigureOut">
               <a:rPr lang="zh-CN" altLang="en-US" smtClean="0"/>
               <a:t>2024/3/10</a:t>
             </a:fld>
@@ -671,7 +671,7 @@
           <p:cNvPr id="5" name="页脚占位符 4">
             <a:extLst>
               <a:ext uri="{FF2B5EF4-FFF2-40B4-BE49-F238E27FC236}">
-                <a16:creationId xmlns:a16="http://schemas.microsoft.com/office/drawing/2014/main" id="{17D8A47A-8A29-B395-041E-4FED6CDF3B6F}"/>
+                <a16:creationId xmlns:a16="http://schemas.microsoft.com/office/drawing/2014/main" id="{CFD306DE-2812-4AFE-FAA0-E3C9F7597588}"/>
               </a:ext>
             </a:extLst>
           </p:cNvPr>
@@ -696,7 +696,7 @@
           <p:cNvPr id="6" name="灯片编号占位符 5">
             <a:extLst>
               <a:ext uri="{FF2B5EF4-FFF2-40B4-BE49-F238E27FC236}">
-                <a16:creationId xmlns:a16="http://schemas.microsoft.com/office/drawing/2014/main" id="{DBE70BA3-CD46-D2BC-441D-6F79871F40BD}"/>
+                <a16:creationId xmlns:a16="http://schemas.microsoft.com/office/drawing/2014/main" id="{6E718509-4DED-41CB-B643-53630D93A6C5}"/>
               </a:ext>
             </a:extLst>
           </p:cNvPr>
@@ -712,7 +712,7 @@
           <a:bodyPr/>
           <a:lstStyle/>
           <a:p>
-            <a:fld id="{AEFFEFF5-6282-4123-BD4C-5BA6409D3199}" type="slidenum">
+            <a:fld id="{A61DFC18-B829-4749-9DDB-2D16B5E2AFAE}" type="slidenum">
               <a:rPr lang="zh-CN" altLang="en-US" smtClean="0"/>
               <a:t>‹#›</a:t>
             </a:fld>
@@ -723,7 +723,7 @@
     </p:spTree>
     <p:extLst>
       <p:ext uri="{BB962C8B-B14F-4D97-AF65-F5344CB8AC3E}">
-        <p14:creationId xmlns:p14="http://schemas.microsoft.com/office/powerpoint/2010/main" val="1860489854"/>
+        <p14:creationId xmlns:p14="http://schemas.microsoft.com/office/powerpoint/2010/main" val="573883380"/>
       </p:ext>
     </p:extLst>
   </p:cSld>
@@ -755,7 +755,7 @@
           <p:cNvPr id="2" name="标题 1">
             <a:extLst>
               <a:ext uri="{FF2B5EF4-FFF2-40B4-BE49-F238E27FC236}">
-                <a16:creationId xmlns:a16="http://schemas.microsoft.com/office/drawing/2014/main" id="{8AB6C351-BBCE-615B-D09B-C0C3D6A9867E}"/>
+                <a16:creationId xmlns:a16="http://schemas.microsoft.com/office/drawing/2014/main" id="{F0203B2C-80B7-60C3-E061-CD60AD02F102}"/>
               </a:ext>
             </a:extLst>
           </p:cNvPr>
@@ -783,7 +783,7 @@
           <p:cNvPr id="3" name="内容占位符 2">
             <a:extLst>
               <a:ext uri="{FF2B5EF4-FFF2-40B4-BE49-F238E27FC236}">
-                <a16:creationId xmlns:a16="http://schemas.microsoft.com/office/drawing/2014/main" id="{6F2CCB25-E61D-6653-422B-70EF01B02098}"/>
+                <a16:creationId xmlns:a16="http://schemas.microsoft.com/office/drawing/2014/main" id="{BE2FD61A-BEF7-A349-C41D-2246C6F71D59}"/>
               </a:ext>
             </a:extLst>
           </p:cNvPr>
@@ -840,7 +840,7 @@
           <p:cNvPr id="4" name="日期占位符 3">
             <a:extLst>
               <a:ext uri="{FF2B5EF4-FFF2-40B4-BE49-F238E27FC236}">
-                <a16:creationId xmlns:a16="http://schemas.microsoft.com/office/drawing/2014/main" id="{7E5FB1E0-8D99-636D-3EFE-CA32158824A9}"/>
+                <a16:creationId xmlns:a16="http://schemas.microsoft.com/office/drawing/2014/main" id="{C0872F2A-D34A-129E-A1E4-0606F5AC1BB3}"/>
               </a:ext>
             </a:extLst>
           </p:cNvPr>
@@ -856,7 +856,7 @@
           <a:bodyPr/>
           <a:lstStyle/>
           <a:p>
-            <a:fld id="{2719F5D7-7E2B-41D6-99F8-BED3B1524827}" type="datetimeFigureOut">
+            <a:fld id="{0C3EE303-75A6-4C1C-A064-CE1C04742F9E}" type="datetimeFigureOut">
               <a:rPr lang="zh-CN" altLang="en-US" smtClean="0"/>
               <a:t>2024/3/10</a:t>
             </a:fld>
@@ -869,7 +869,7 @@
           <p:cNvPr id="5" name="页脚占位符 4">
             <a:extLst>
               <a:ext uri="{FF2B5EF4-FFF2-40B4-BE49-F238E27FC236}">
-                <a16:creationId xmlns:a16="http://schemas.microsoft.com/office/drawing/2014/main" id="{F7F90BE2-3C37-F942-A4C8-395E8D74CA0D}"/>
+                <a16:creationId xmlns:a16="http://schemas.microsoft.com/office/drawing/2014/main" id="{7251EF56-E232-6C7B-B9F5-4272AA8D252A}"/>
               </a:ext>
             </a:extLst>
           </p:cNvPr>
@@ -894,7 +894,7 @@
           <p:cNvPr id="6" name="灯片编号占位符 5">
             <a:extLst>
               <a:ext uri="{FF2B5EF4-FFF2-40B4-BE49-F238E27FC236}">
-                <a16:creationId xmlns:a16="http://schemas.microsoft.com/office/drawing/2014/main" id="{F94AEF50-473A-4744-3A0C-2CFCEBC79CC0}"/>
+                <a16:creationId xmlns:a16="http://schemas.microsoft.com/office/drawing/2014/main" id="{94D33824-21CA-9499-9AD3-EA677ECCFD06}"/>
               </a:ext>
             </a:extLst>
           </p:cNvPr>
@@ -910,7 +910,7 @@
           <a:bodyPr/>
           <a:lstStyle/>
           <a:p>
-            <a:fld id="{AEFFEFF5-6282-4123-BD4C-5BA6409D3199}" type="slidenum">
+            <a:fld id="{A61DFC18-B829-4749-9DDB-2D16B5E2AFAE}" type="slidenum">
               <a:rPr lang="zh-CN" altLang="en-US" smtClean="0"/>
               <a:t>‹#›</a:t>
             </a:fld>
@@ -921,7 +921,7 @@
     </p:spTree>
     <p:extLst>
       <p:ext uri="{BB962C8B-B14F-4D97-AF65-F5344CB8AC3E}">
-        <p14:creationId xmlns:p14="http://schemas.microsoft.com/office/powerpoint/2010/main" val="2834171225"/>
+        <p14:creationId xmlns:p14="http://schemas.microsoft.com/office/powerpoint/2010/main" val="1576085408"/>
       </p:ext>
     </p:extLst>
   </p:cSld>
@@ -953,7 +953,7 @@
           <p:cNvPr id="2" name="标题 1">
             <a:extLst>
               <a:ext uri="{FF2B5EF4-FFF2-40B4-BE49-F238E27FC236}">
-                <a16:creationId xmlns:a16="http://schemas.microsoft.com/office/drawing/2014/main" id="{37A54E1A-3C0B-12D3-8013-D8477402FA02}"/>
+                <a16:creationId xmlns:a16="http://schemas.microsoft.com/office/drawing/2014/main" id="{09A00C74-7274-8150-50FB-94176E1BE1CF}"/>
               </a:ext>
             </a:extLst>
           </p:cNvPr>
@@ -990,7 +990,7 @@
           <p:cNvPr id="3" name="文本占位符 2">
             <a:extLst>
               <a:ext uri="{FF2B5EF4-FFF2-40B4-BE49-F238E27FC236}">
-                <a16:creationId xmlns:a16="http://schemas.microsoft.com/office/drawing/2014/main" id="{20F28B69-8DD1-ABB5-7095-E83882FD586D}"/>
+                <a16:creationId xmlns:a16="http://schemas.microsoft.com/office/drawing/2014/main" id="{75B3C9E0-1913-16A7-55BF-653CA315CAF2}"/>
               </a:ext>
             </a:extLst>
           </p:cNvPr>
@@ -1115,7 +1115,7 @@
           <p:cNvPr id="4" name="日期占位符 3">
             <a:extLst>
               <a:ext uri="{FF2B5EF4-FFF2-40B4-BE49-F238E27FC236}">
-                <a16:creationId xmlns:a16="http://schemas.microsoft.com/office/drawing/2014/main" id="{F4387946-1A5F-5443-CFFE-95D1A8D9A3DB}"/>
+                <a16:creationId xmlns:a16="http://schemas.microsoft.com/office/drawing/2014/main" id="{686FD2A2-99B6-1752-9D35-6CD2D8B69DD1}"/>
               </a:ext>
             </a:extLst>
           </p:cNvPr>
@@ -1131,7 +1131,7 @@
           <a:bodyPr/>
           <a:lstStyle/>
           <a:p>
-            <a:fld id="{2719F5D7-7E2B-41D6-99F8-BED3B1524827}" type="datetimeFigureOut">
+            <a:fld id="{0C3EE303-75A6-4C1C-A064-CE1C04742F9E}" type="datetimeFigureOut">
               <a:rPr lang="zh-CN" altLang="en-US" smtClean="0"/>
               <a:t>2024/3/10</a:t>
             </a:fld>
@@ -1144,7 +1144,7 @@
           <p:cNvPr id="5" name="页脚占位符 4">
             <a:extLst>
               <a:ext uri="{FF2B5EF4-FFF2-40B4-BE49-F238E27FC236}">
-                <a16:creationId xmlns:a16="http://schemas.microsoft.com/office/drawing/2014/main" id="{EC0A870E-AE1F-B0CB-9738-E901AFDBFAAE}"/>
+                <a16:creationId xmlns:a16="http://schemas.microsoft.com/office/drawing/2014/main" id="{29BDC50F-E1C5-56CD-4AEE-AE5CB7B7C33D}"/>
               </a:ext>
             </a:extLst>
           </p:cNvPr>
@@ -1169,7 +1169,7 @@
           <p:cNvPr id="6" name="灯片编号占位符 5">
             <a:extLst>
               <a:ext uri="{FF2B5EF4-FFF2-40B4-BE49-F238E27FC236}">
-                <a16:creationId xmlns:a16="http://schemas.microsoft.com/office/drawing/2014/main" id="{04872599-6AE5-A084-B28F-B73C5CA26252}"/>
+                <a16:creationId xmlns:a16="http://schemas.microsoft.com/office/drawing/2014/main" id="{E3F6006D-9F4A-8310-6D2A-01296131C491}"/>
               </a:ext>
             </a:extLst>
           </p:cNvPr>
@@ -1185,7 +1185,7 @@
           <a:bodyPr/>
           <a:lstStyle/>
           <a:p>
-            <a:fld id="{AEFFEFF5-6282-4123-BD4C-5BA6409D3199}" type="slidenum">
+            <a:fld id="{A61DFC18-B829-4749-9DDB-2D16B5E2AFAE}" type="slidenum">
               <a:rPr lang="zh-CN" altLang="en-US" smtClean="0"/>
               <a:t>‹#›</a:t>
             </a:fld>
@@ -1196,7 +1196,7 @@
     </p:spTree>
     <p:extLst>
       <p:ext uri="{BB962C8B-B14F-4D97-AF65-F5344CB8AC3E}">
-        <p14:creationId xmlns:p14="http://schemas.microsoft.com/office/powerpoint/2010/main" val="1881852760"/>
+        <p14:creationId xmlns:p14="http://schemas.microsoft.com/office/powerpoint/2010/main" val="130761910"/>
       </p:ext>
     </p:extLst>
   </p:cSld>
@@ -1228,7 +1228,7 @@
           <p:cNvPr id="2" name="标题 1">
             <a:extLst>
               <a:ext uri="{FF2B5EF4-FFF2-40B4-BE49-F238E27FC236}">
-                <a16:creationId xmlns:a16="http://schemas.microsoft.com/office/drawing/2014/main" id="{3347ECFE-47AD-D2AD-80C8-A32C9EF7EA12}"/>
+                <a16:creationId xmlns:a16="http://schemas.microsoft.com/office/drawing/2014/main" id="{13C9DB26-BE9D-66D6-F5C8-8E253F056471}"/>
               </a:ext>
             </a:extLst>
           </p:cNvPr>
@@ -1256,7 +1256,7 @@
           <p:cNvPr id="3" name="内容占位符 2">
             <a:extLst>
               <a:ext uri="{FF2B5EF4-FFF2-40B4-BE49-F238E27FC236}">
-                <a16:creationId xmlns:a16="http://schemas.microsoft.com/office/drawing/2014/main" id="{81003593-889E-5C84-FD60-C222BAB955FF}"/>
+                <a16:creationId xmlns:a16="http://schemas.microsoft.com/office/drawing/2014/main" id="{A1FA08E9-0429-C22B-B401-A72964DA929B}"/>
               </a:ext>
             </a:extLst>
           </p:cNvPr>
@@ -1318,7 +1318,7 @@
           <p:cNvPr id="4" name="内容占位符 3">
             <a:extLst>
               <a:ext uri="{FF2B5EF4-FFF2-40B4-BE49-F238E27FC236}">
-                <a16:creationId xmlns:a16="http://schemas.microsoft.com/office/drawing/2014/main" id="{F2A4F5E3-E72E-7C5D-AE90-FEE42BDDA596}"/>
+                <a16:creationId xmlns:a16="http://schemas.microsoft.com/office/drawing/2014/main" id="{001AE6BB-1325-697B-B681-4FB50331AFD8}"/>
               </a:ext>
             </a:extLst>
           </p:cNvPr>
@@ -1380,7 +1380,7 @@
           <p:cNvPr id="5" name="日期占位符 4">
             <a:extLst>
               <a:ext uri="{FF2B5EF4-FFF2-40B4-BE49-F238E27FC236}">
-                <a16:creationId xmlns:a16="http://schemas.microsoft.com/office/drawing/2014/main" id="{C5FD269F-E45D-B965-72F2-58F772ACA7C7}"/>
+                <a16:creationId xmlns:a16="http://schemas.microsoft.com/office/drawing/2014/main" id="{47FE6360-5E95-4B1B-B639-AD8CDE907C2D}"/>
               </a:ext>
             </a:extLst>
           </p:cNvPr>
@@ -1396,7 +1396,7 @@
           <a:bodyPr/>
           <a:lstStyle/>
           <a:p>
-            <a:fld id="{2719F5D7-7E2B-41D6-99F8-BED3B1524827}" type="datetimeFigureOut">
+            <a:fld id="{0C3EE303-75A6-4C1C-A064-CE1C04742F9E}" type="datetimeFigureOut">
               <a:rPr lang="zh-CN" altLang="en-US" smtClean="0"/>
               <a:t>2024/3/10</a:t>
             </a:fld>
@@ -1409,7 +1409,7 @@
           <p:cNvPr id="6" name="页脚占位符 5">
             <a:extLst>
               <a:ext uri="{FF2B5EF4-FFF2-40B4-BE49-F238E27FC236}">
-                <a16:creationId xmlns:a16="http://schemas.microsoft.com/office/drawing/2014/main" id="{8FDA4C1B-1F19-A34E-7AA4-F4C9FFE9CA7A}"/>
+                <a16:creationId xmlns:a16="http://schemas.microsoft.com/office/drawing/2014/main" id="{F96175B5-99B8-6403-DE65-E269D9736EC2}"/>
               </a:ext>
             </a:extLst>
           </p:cNvPr>
@@ -1434,7 +1434,7 @@
           <p:cNvPr id="7" name="灯片编号占位符 6">
             <a:extLst>
               <a:ext uri="{FF2B5EF4-FFF2-40B4-BE49-F238E27FC236}">
-                <a16:creationId xmlns:a16="http://schemas.microsoft.com/office/drawing/2014/main" id="{D61107BD-65EC-C18A-C68E-1048BBB55B79}"/>
+                <a16:creationId xmlns:a16="http://schemas.microsoft.com/office/drawing/2014/main" id="{093385E5-2AE6-10C5-0F3C-D1F9874E9FFC}"/>
               </a:ext>
             </a:extLst>
           </p:cNvPr>
@@ -1450,7 +1450,7 @@
           <a:bodyPr/>
           <a:lstStyle/>
           <a:p>
-            <a:fld id="{AEFFEFF5-6282-4123-BD4C-5BA6409D3199}" type="slidenum">
+            <a:fld id="{A61DFC18-B829-4749-9DDB-2D16B5E2AFAE}" type="slidenum">
               <a:rPr lang="zh-CN" altLang="en-US" smtClean="0"/>
               <a:t>‹#›</a:t>
             </a:fld>
@@ -1461,7 +1461,7 @@
     </p:spTree>
     <p:extLst>
       <p:ext uri="{BB962C8B-B14F-4D97-AF65-F5344CB8AC3E}">
-        <p14:creationId xmlns:p14="http://schemas.microsoft.com/office/powerpoint/2010/main" val="741153293"/>
+        <p14:creationId xmlns:p14="http://schemas.microsoft.com/office/powerpoint/2010/main" val="229287553"/>
       </p:ext>
     </p:extLst>
   </p:cSld>
@@ -1493,7 +1493,7 @@
           <p:cNvPr id="2" name="标题 1">
             <a:extLst>
               <a:ext uri="{FF2B5EF4-FFF2-40B4-BE49-F238E27FC236}">
-                <a16:creationId xmlns:a16="http://schemas.microsoft.com/office/drawing/2014/main" id="{C45C548B-F1D2-5F70-2BCD-094BECE7A52E}"/>
+                <a16:creationId xmlns:a16="http://schemas.microsoft.com/office/drawing/2014/main" id="{5D77305A-EF7E-35F8-BB6E-EC1D5D8CA8D2}"/>
               </a:ext>
             </a:extLst>
           </p:cNvPr>
@@ -1526,7 +1526,7 @@
           <p:cNvPr id="3" name="文本占位符 2">
             <a:extLst>
               <a:ext uri="{FF2B5EF4-FFF2-40B4-BE49-F238E27FC236}">
-                <a16:creationId xmlns:a16="http://schemas.microsoft.com/office/drawing/2014/main" id="{175A052C-67B5-4A91-E542-38CB648A4966}"/>
+                <a16:creationId xmlns:a16="http://schemas.microsoft.com/office/drawing/2014/main" id="{D055FEDD-CAEB-2B46-1527-54197B7A9AEF}"/>
               </a:ext>
             </a:extLst>
           </p:cNvPr>
@@ -1597,7 +1597,7 @@
           <p:cNvPr id="4" name="内容占位符 3">
             <a:extLst>
               <a:ext uri="{FF2B5EF4-FFF2-40B4-BE49-F238E27FC236}">
-                <a16:creationId xmlns:a16="http://schemas.microsoft.com/office/drawing/2014/main" id="{06F35051-7B57-AA72-2DC2-9876FD12E1EC}"/>
+                <a16:creationId xmlns:a16="http://schemas.microsoft.com/office/drawing/2014/main" id="{069E8DA4-1361-6807-FE2D-C45EC1C58CF5}"/>
               </a:ext>
             </a:extLst>
           </p:cNvPr>
@@ -1659,7 +1659,7 @@
           <p:cNvPr id="5" name="文本占位符 4">
             <a:extLst>
               <a:ext uri="{FF2B5EF4-FFF2-40B4-BE49-F238E27FC236}">
-                <a16:creationId xmlns:a16="http://schemas.microsoft.com/office/drawing/2014/main" id="{3430517C-44D9-8432-13A6-6397AB6E1F61}"/>
+                <a16:creationId xmlns:a16="http://schemas.microsoft.com/office/drawing/2014/main" id="{151F93E8-50E2-891A-76C6-7BBFCCA6D3FB}"/>
               </a:ext>
             </a:extLst>
           </p:cNvPr>
@@ -1730,7 +1730,7 @@
           <p:cNvPr id="6" name="内容占位符 5">
             <a:extLst>
               <a:ext uri="{FF2B5EF4-FFF2-40B4-BE49-F238E27FC236}">
-                <a16:creationId xmlns:a16="http://schemas.microsoft.com/office/drawing/2014/main" id="{117255E5-E451-FDAD-C4F6-9D4237DB9426}"/>
+                <a16:creationId xmlns:a16="http://schemas.microsoft.com/office/drawing/2014/main" id="{E190D4A7-F585-F66F-0654-A66896294DA8}"/>
               </a:ext>
             </a:extLst>
           </p:cNvPr>
@@ -1792,7 +1792,7 @@
           <p:cNvPr id="7" name="日期占位符 6">
             <a:extLst>
               <a:ext uri="{FF2B5EF4-FFF2-40B4-BE49-F238E27FC236}">
-                <a16:creationId xmlns:a16="http://schemas.microsoft.com/office/drawing/2014/main" id="{572DB7CF-8C93-73C4-479A-448558409B36}"/>
+                <a16:creationId xmlns:a16="http://schemas.microsoft.com/office/drawing/2014/main" id="{BD2F6ED2-0C56-9A00-0E29-C7678216E6CF}"/>
               </a:ext>
             </a:extLst>
           </p:cNvPr>
@@ -1808,7 +1808,7 @@
           <a:bodyPr/>
           <a:lstStyle/>
           <a:p>
-            <a:fld id="{2719F5D7-7E2B-41D6-99F8-BED3B1524827}" type="datetimeFigureOut">
+            <a:fld id="{0C3EE303-75A6-4C1C-A064-CE1C04742F9E}" type="datetimeFigureOut">
               <a:rPr lang="zh-CN" altLang="en-US" smtClean="0"/>
               <a:t>2024/3/10</a:t>
             </a:fld>
@@ -1821,7 +1821,7 @@
           <p:cNvPr id="8" name="页脚占位符 7">
             <a:extLst>
               <a:ext uri="{FF2B5EF4-FFF2-40B4-BE49-F238E27FC236}">
-                <a16:creationId xmlns:a16="http://schemas.microsoft.com/office/drawing/2014/main" id="{4D3D4F46-46A6-2504-B1C7-BDFA360B6168}"/>
+                <a16:creationId xmlns:a16="http://schemas.microsoft.com/office/drawing/2014/main" id="{31422D64-F189-A8EB-D8C5-C41BD4F32B18}"/>
               </a:ext>
             </a:extLst>
           </p:cNvPr>
@@ -1846,7 +1846,7 @@
           <p:cNvPr id="9" name="灯片编号占位符 8">
             <a:extLst>
               <a:ext uri="{FF2B5EF4-FFF2-40B4-BE49-F238E27FC236}">
-                <a16:creationId xmlns:a16="http://schemas.microsoft.com/office/drawing/2014/main" id="{EB073FF6-B12C-5724-7F88-42083B6106B8}"/>
+                <a16:creationId xmlns:a16="http://schemas.microsoft.com/office/drawing/2014/main" id="{794970FF-E75B-F43A-6116-FD5D2158D187}"/>
               </a:ext>
             </a:extLst>
           </p:cNvPr>
@@ -1862,7 +1862,7 @@
           <a:bodyPr/>
           <a:lstStyle/>
           <a:p>
-            <a:fld id="{AEFFEFF5-6282-4123-BD4C-5BA6409D3199}" type="slidenum">
+            <a:fld id="{A61DFC18-B829-4749-9DDB-2D16B5E2AFAE}" type="slidenum">
               <a:rPr lang="zh-CN" altLang="en-US" smtClean="0"/>
               <a:t>‹#›</a:t>
             </a:fld>
@@ -1873,7 +1873,7 @@
     </p:spTree>
     <p:extLst>
       <p:ext uri="{BB962C8B-B14F-4D97-AF65-F5344CB8AC3E}">
-        <p14:creationId xmlns:p14="http://schemas.microsoft.com/office/powerpoint/2010/main" val="423338832"/>
+        <p14:creationId xmlns:p14="http://schemas.microsoft.com/office/powerpoint/2010/main" val="139497872"/>
       </p:ext>
     </p:extLst>
   </p:cSld>
@@ -1905,7 +1905,7 @@
           <p:cNvPr id="2" name="标题 1">
             <a:extLst>
               <a:ext uri="{FF2B5EF4-FFF2-40B4-BE49-F238E27FC236}">
-                <a16:creationId xmlns:a16="http://schemas.microsoft.com/office/drawing/2014/main" id="{EB08931D-8ACD-8E2B-A71F-D250E0826904}"/>
+                <a16:creationId xmlns:a16="http://schemas.microsoft.com/office/drawing/2014/main" id="{9F3D2642-0726-6C43-02E7-E8B8859433EA}"/>
               </a:ext>
             </a:extLst>
           </p:cNvPr>
@@ -1933,7 +1933,7 @@
           <p:cNvPr id="3" name="日期占位符 2">
             <a:extLst>
               <a:ext uri="{FF2B5EF4-FFF2-40B4-BE49-F238E27FC236}">
-                <a16:creationId xmlns:a16="http://schemas.microsoft.com/office/drawing/2014/main" id="{05F76C80-529A-2E25-2055-B39223304A58}"/>
+                <a16:creationId xmlns:a16="http://schemas.microsoft.com/office/drawing/2014/main" id="{D8AA6F42-0205-9FF1-A203-760930F01B68}"/>
               </a:ext>
             </a:extLst>
           </p:cNvPr>
@@ -1949,7 +1949,7 @@
           <a:bodyPr/>
           <a:lstStyle/>
           <a:p>
-            <a:fld id="{2719F5D7-7E2B-41D6-99F8-BED3B1524827}" type="datetimeFigureOut">
+            <a:fld id="{0C3EE303-75A6-4C1C-A064-CE1C04742F9E}" type="datetimeFigureOut">
               <a:rPr lang="zh-CN" altLang="en-US" smtClean="0"/>
               <a:t>2024/3/10</a:t>
             </a:fld>
@@ -1962,7 +1962,7 @@
           <p:cNvPr id="4" name="页脚占位符 3">
             <a:extLst>
               <a:ext uri="{FF2B5EF4-FFF2-40B4-BE49-F238E27FC236}">
-                <a16:creationId xmlns:a16="http://schemas.microsoft.com/office/drawing/2014/main" id="{41586903-0DBE-D18D-F372-66FC085E2626}"/>
+                <a16:creationId xmlns:a16="http://schemas.microsoft.com/office/drawing/2014/main" id="{359F62EF-998C-D70D-3DF9-1A0E0633BF71}"/>
               </a:ext>
             </a:extLst>
           </p:cNvPr>
@@ -1987,7 +1987,7 @@
           <p:cNvPr id="5" name="灯片编号占位符 4">
             <a:extLst>
               <a:ext uri="{FF2B5EF4-FFF2-40B4-BE49-F238E27FC236}">
-                <a16:creationId xmlns:a16="http://schemas.microsoft.com/office/drawing/2014/main" id="{38F5681B-77EC-29D6-4E90-6CDA3E02CFAC}"/>
+                <a16:creationId xmlns:a16="http://schemas.microsoft.com/office/drawing/2014/main" id="{BCB1E9FE-3D0E-2F3E-8D8D-BF00DB4B5DFD}"/>
               </a:ext>
             </a:extLst>
           </p:cNvPr>
@@ -2003,7 +2003,7 @@
           <a:bodyPr/>
           <a:lstStyle/>
           <a:p>
-            <a:fld id="{AEFFEFF5-6282-4123-BD4C-5BA6409D3199}" type="slidenum">
+            <a:fld id="{A61DFC18-B829-4749-9DDB-2D16B5E2AFAE}" type="slidenum">
               <a:rPr lang="zh-CN" altLang="en-US" smtClean="0"/>
               <a:t>‹#›</a:t>
             </a:fld>
@@ -2014,7 +2014,7 @@
     </p:spTree>
     <p:extLst>
       <p:ext uri="{BB962C8B-B14F-4D97-AF65-F5344CB8AC3E}">
-        <p14:creationId xmlns:p14="http://schemas.microsoft.com/office/powerpoint/2010/main" val="3431397164"/>
+        <p14:creationId xmlns:p14="http://schemas.microsoft.com/office/powerpoint/2010/main" val="4074294082"/>
       </p:ext>
     </p:extLst>
   </p:cSld>
@@ -2046,7 +2046,7 @@
           <p:cNvPr id="2" name="日期占位符 1">
             <a:extLst>
               <a:ext uri="{FF2B5EF4-FFF2-40B4-BE49-F238E27FC236}">
-                <a16:creationId xmlns:a16="http://schemas.microsoft.com/office/drawing/2014/main" id="{3A36F806-9AA7-73CE-0E38-7B57D495E213}"/>
+                <a16:creationId xmlns:a16="http://schemas.microsoft.com/office/drawing/2014/main" id="{FB718C0F-8052-D346-0E57-382E4E747E9A}"/>
               </a:ext>
             </a:extLst>
           </p:cNvPr>
@@ -2062,7 +2062,7 @@
           <a:bodyPr/>
           <a:lstStyle/>
           <a:p>
-            <a:fld id="{2719F5D7-7E2B-41D6-99F8-BED3B1524827}" type="datetimeFigureOut">
+            <a:fld id="{0C3EE303-75A6-4C1C-A064-CE1C04742F9E}" type="datetimeFigureOut">
               <a:rPr lang="zh-CN" altLang="en-US" smtClean="0"/>
               <a:t>2024/3/10</a:t>
             </a:fld>
@@ -2075,7 +2075,7 @@
           <p:cNvPr id="3" name="页脚占位符 2">
             <a:extLst>
               <a:ext uri="{FF2B5EF4-FFF2-40B4-BE49-F238E27FC236}">
-                <a16:creationId xmlns:a16="http://schemas.microsoft.com/office/drawing/2014/main" id="{1D120EF3-B202-5CE2-37EB-C843BA9E4903}"/>
+                <a16:creationId xmlns:a16="http://schemas.microsoft.com/office/drawing/2014/main" id="{FF7A310E-9EC3-F709-FFDE-3FDC0CD4BDC4}"/>
               </a:ext>
             </a:extLst>
           </p:cNvPr>
@@ -2100,7 +2100,7 @@
           <p:cNvPr id="4" name="灯片编号占位符 3">
             <a:extLst>
               <a:ext uri="{FF2B5EF4-FFF2-40B4-BE49-F238E27FC236}">
-                <a16:creationId xmlns:a16="http://schemas.microsoft.com/office/drawing/2014/main" id="{FE9C9409-3318-1D9B-921C-B8FBE1AF67C1}"/>
+                <a16:creationId xmlns:a16="http://schemas.microsoft.com/office/drawing/2014/main" id="{52C3376F-9F97-CFD4-E61A-349D8D43DA58}"/>
               </a:ext>
             </a:extLst>
           </p:cNvPr>
@@ -2116,7 +2116,7 @@
           <a:bodyPr/>
           <a:lstStyle/>
           <a:p>
-            <a:fld id="{AEFFEFF5-6282-4123-BD4C-5BA6409D3199}" type="slidenum">
+            <a:fld id="{A61DFC18-B829-4749-9DDB-2D16B5E2AFAE}" type="slidenum">
               <a:rPr lang="zh-CN" altLang="en-US" smtClean="0"/>
               <a:t>‹#›</a:t>
             </a:fld>
@@ -2127,7 +2127,7 @@
     </p:spTree>
     <p:extLst>
       <p:ext uri="{BB962C8B-B14F-4D97-AF65-F5344CB8AC3E}">
-        <p14:creationId xmlns:p14="http://schemas.microsoft.com/office/powerpoint/2010/main" val="2543494673"/>
+        <p14:creationId xmlns:p14="http://schemas.microsoft.com/office/powerpoint/2010/main" val="3213017196"/>
       </p:ext>
     </p:extLst>
   </p:cSld>
@@ -2159,7 +2159,7 @@
           <p:cNvPr id="2" name="标题 1">
             <a:extLst>
               <a:ext uri="{FF2B5EF4-FFF2-40B4-BE49-F238E27FC236}">
-                <a16:creationId xmlns:a16="http://schemas.microsoft.com/office/drawing/2014/main" id="{32339557-02C5-B3DC-9811-373F4D587EE5}"/>
+                <a16:creationId xmlns:a16="http://schemas.microsoft.com/office/drawing/2014/main" id="{AD7E56D6-35C7-35F0-161C-4CB047DE1B0E}"/>
               </a:ext>
             </a:extLst>
           </p:cNvPr>
@@ -2196,7 +2196,7 @@
           <p:cNvPr id="3" name="内容占位符 2">
             <a:extLst>
               <a:ext uri="{FF2B5EF4-FFF2-40B4-BE49-F238E27FC236}">
-                <a16:creationId xmlns:a16="http://schemas.microsoft.com/office/drawing/2014/main" id="{6A6E0315-0626-ABCE-EF80-EAD971C1149D}"/>
+                <a16:creationId xmlns:a16="http://schemas.microsoft.com/office/drawing/2014/main" id="{E3DDCDE4-8550-34F0-CE28-FFC22097140A}"/>
               </a:ext>
             </a:extLst>
           </p:cNvPr>
@@ -2286,7 +2286,7 @@
           <p:cNvPr id="4" name="文本占位符 3">
             <a:extLst>
               <a:ext uri="{FF2B5EF4-FFF2-40B4-BE49-F238E27FC236}">
-                <a16:creationId xmlns:a16="http://schemas.microsoft.com/office/drawing/2014/main" id="{1CBAE7D1-189B-0CE1-7ADD-AEF8B0317CAD}"/>
+                <a16:creationId xmlns:a16="http://schemas.microsoft.com/office/drawing/2014/main" id="{D5D0357E-5DAD-6DDA-2DC9-07CC8CA2B9F4}"/>
               </a:ext>
             </a:extLst>
           </p:cNvPr>
@@ -2357,7 +2357,7 @@
           <p:cNvPr id="5" name="日期占位符 4">
             <a:extLst>
               <a:ext uri="{FF2B5EF4-FFF2-40B4-BE49-F238E27FC236}">
-                <a16:creationId xmlns:a16="http://schemas.microsoft.com/office/drawing/2014/main" id="{824F0D98-A9D2-9D8E-2472-6951E6D24FB6}"/>
+                <a16:creationId xmlns:a16="http://schemas.microsoft.com/office/drawing/2014/main" id="{67C3D311-FB72-22E8-5818-2425D5040D9F}"/>
               </a:ext>
             </a:extLst>
           </p:cNvPr>
@@ -2373,7 +2373,7 @@
           <a:bodyPr/>
           <a:lstStyle/>
           <a:p>
-            <a:fld id="{2719F5D7-7E2B-41D6-99F8-BED3B1524827}" type="datetimeFigureOut">
+            <a:fld id="{0C3EE303-75A6-4C1C-A064-CE1C04742F9E}" type="datetimeFigureOut">
               <a:rPr lang="zh-CN" altLang="en-US" smtClean="0"/>
               <a:t>2024/3/10</a:t>
             </a:fld>
@@ -2386,7 +2386,7 @@
           <p:cNvPr id="6" name="页脚占位符 5">
             <a:extLst>
               <a:ext uri="{FF2B5EF4-FFF2-40B4-BE49-F238E27FC236}">
-                <a16:creationId xmlns:a16="http://schemas.microsoft.com/office/drawing/2014/main" id="{64C68D1F-1E9B-0F23-1F3A-6A9640C7C90B}"/>
+                <a16:creationId xmlns:a16="http://schemas.microsoft.com/office/drawing/2014/main" id="{D34A1521-774B-02B6-F56A-36F42B269E4B}"/>
               </a:ext>
             </a:extLst>
           </p:cNvPr>
@@ -2411,7 +2411,7 @@
           <p:cNvPr id="7" name="灯片编号占位符 6">
             <a:extLst>
               <a:ext uri="{FF2B5EF4-FFF2-40B4-BE49-F238E27FC236}">
-                <a16:creationId xmlns:a16="http://schemas.microsoft.com/office/drawing/2014/main" id="{D4C36690-5E7E-E013-04B3-52BB9B24E8B9}"/>
+                <a16:creationId xmlns:a16="http://schemas.microsoft.com/office/drawing/2014/main" id="{4A9FEA1E-BDE5-7113-33EC-A8D1254978EA}"/>
               </a:ext>
             </a:extLst>
           </p:cNvPr>
@@ -2427,7 +2427,7 @@
           <a:bodyPr/>
           <a:lstStyle/>
           <a:p>
-            <a:fld id="{AEFFEFF5-6282-4123-BD4C-5BA6409D3199}" type="slidenum">
+            <a:fld id="{A61DFC18-B829-4749-9DDB-2D16B5E2AFAE}" type="slidenum">
               <a:rPr lang="zh-CN" altLang="en-US" smtClean="0"/>
               <a:t>‹#›</a:t>
             </a:fld>
@@ -2438,7 +2438,7 @@
     </p:spTree>
     <p:extLst>
       <p:ext uri="{BB962C8B-B14F-4D97-AF65-F5344CB8AC3E}">
-        <p14:creationId xmlns:p14="http://schemas.microsoft.com/office/powerpoint/2010/main" val="2624144179"/>
+        <p14:creationId xmlns:p14="http://schemas.microsoft.com/office/powerpoint/2010/main" val="2778626498"/>
       </p:ext>
     </p:extLst>
   </p:cSld>
@@ -2470,7 +2470,7 @@
           <p:cNvPr id="2" name="标题 1">
             <a:extLst>
               <a:ext uri="{FF2B5EF4-FFF2-40B4-BE49-F238E27FC236}">
-                <a16:creationId xmlns:a16="http://schemas.microsoft.com/office/drawing/2014/main" id="{CA5EAE7D-9586-DF86-286D-777F268F5653}"/>
+                <a16:creationId xmlns:a16="http://schemas.microsoft.com/office/drawing/2014/main" id="{2F8F606A-D577-B2B8-14D1-5B99DE47A607}"/>
               </a:ext>
             </a:extLst>
           </p:cNvPr>
@@ -2507,7 +2507,7 @@
           <p:cNvPr id="3" name="图片占位符 2">
             <a:extLst>
               <a:ext uri="{FF2B5EF4-FFF2-40B4-BE49-F238E27FC236}">
-                <a16:creationId xmlns:a16="http://schemas.microsoft.com/office/drawing/2014/main" id="{94547214-6129-E74C-E235-F800DD9DD7B4}"/>
+                <a16:creationId xmlns:a16="http://schemas.microsoft.com/office/drawing/2014/main" id="{4899897D-2D6C-BE1E-B8B9-7CC398FBA49E}"/>
               </a:ext>
             </a:extLst>
           </p:cNvPr>
@@ -2574,7 +2574,7 @@
           <p:cNvPr id="4" name="文本占位符 3">
             <a:extLst>
               <a:ext uri="{FF2B5EF4-FFF2-40B4-BE49-F238E27FC236}">
-                <a16:creationId xmlns:a16="http://schemas.microsoft.com/office/drawing/2014/main" id="{7C3F7B29-97AC-0E58-F81E-EB9F4ADFC196}"/>
+                <a16:creationId xmlns:a16="http://schemas.microsoft.com/office/drawing/2014/main" id="{3AC500B2-1A93-3E27-2280-F75BD522B3A4}"/>
               </a:ext>
             </a:extLst>
           </p:cNvPr>
@@ -2645,7 +2645,7 @@
           <p:cNvPr id="5" name="日期占位符 4">
             <a:extLst>
               <a:ext uri="{FF2B5EF4-FFF2-40B4-BE49-F238E27FC236}">
-                <a16:creationId xmlns:a16="http://schemas.microsoft.com/office/drawing/2014/main" id="{CC1BC380-D009-E828-F7FF-BDB0442E3B64}"/>
+                <a16:creationId xmlns:a16="http://schemas.microsoft.com/office/drawing/2014/main" id="{6A9F2659-DAD3-70D9-60DA-4F09709C6A96}"/>
               </a:ext>
             </a:extLst>
           </p:cNvPr>
@@ -2661,7 +2661,7 @@
           <a:bodyPr/>
           <a:lstStyle/>
           <a:p>
-            <a:fld id="{2719F5D7-7E2B-41D6-99F8-BED3B1524827}" type="datetimeFigureOut">
+            <a:fld id="{0C3EE303-75A6-4C1C-A064-CE1C04742F9E}" type="datetimeFigureOut">
               <a:rPr lang="zh-CN" altLang="en-US" smtClean="0"/>
               <a:t>2024/3/10</a:t>
             </a:fld>
@@ -2674,7 +2674,7 @@
           <p:cNvPr id="6" name="页脚占位符 5">
             <a:extLst>
               <a:ext uri="{FF2B5EF4-FFF2-40B4-BE49-F238E27FC236}">
-                <a16:creationId xmlns:a16="http://schemas.microsoft.com/office/drawing/2014/main" id="{2F79CA2A-8FE2-04B8-240A-96FF12AD741F}"/>
+                <a16:creationId xmlns:a16="http://schemas.microsoft.com/office/drawing/2014/main" id="{4C8C71CD-7328-6B66-A73C-DEF3A577AE48}"/>
               </a:ext>
             </a:extLst>
           </p:cNvPr>
@@ -2699,7 +2699,7 @@
           <p:cNvPr id="7" name="灯片编号占位符 6">
             <a:extLst>
               <a:ext uri="{FF2B5EF4-FFF2-40B4-BE49-F238E27FC236}">
-                <a16:creationId xmlns:a16="http://schemas.microsoft.com/office/drawing/2014/main" id="{51089CD0-47F8-B811-2F82-E65CE9275BCE}"/>
+                <a16:creationId xmlns:a16="http://schemas.microsoft.com/office/drawing/2014/main" id="{C12100AB-DBB5-4155-D006-4D8A3EE4B8E9}"/>
               </a:ext>
             </a:extLst>
           </p:cNvPr>
@@ -2715,7 +2715,7 @@
           <a:bodyPr/>
           <a:lstStyle/>
           <a:p>
-            <a:fld id="{AEFFEFF5-6282-4123-BD4C-5BA6409D3199}" type="slidenum">
+            <a:fld id="{A61DFC18-B829-4749-9DDB-2D16B5E2AFAE}" type="slidenum">
               <a:rPr lang="zh-CN" altLang="en-US" smtClean="0"/>
               <a:t>‹#›</a:t>
             </a:fld>
@@ -2726,7 +2726,7 @@
     </p:spTree>
     <p:extLst>
       <p:ext uri="{BB962C8B-B14F-4D97-AF65-F5344CB8AC3E}">
-        <p14:creationId xmlns:p14="http://schemas.microsoft.com/office/powerpoint/2010/main" val="2218418871"/>
+        <p14:creationId xmlns:p14="http://schemas.microsoft.com/office/powerpoint/2010/main" val="840080205"/>
       </p:ext>
     </p:extLst>
   </p:cSld>
@@ -2763,7 +2763,7 @@
           <p:cNvPr id="2" name="标题占位符 1">
             <a:extLst>
               <a:ext uri="{FF2B5EF4-FFF2-40B4-BE49-F238E27FC236}">
-                <a16:creationId xmlns:a16="http://schemas.microsoft.com/office/drawing/2014/main" id="{29E79C69-BB3B-1C5D-8B5B-C49C1D832CC7}"/>
+                <a16:creationId xmlns:a16="http://schemas.microsoft.com/office/drawing/2014/main" id="{AA8D3704-56D1-1821-6C63-7D31F946C90F}"/>
               </a:ext>
             </a:extLst>
           </p:cNvPr>
@@ -2801,7 +2801,7 @@
           <p:cNvPr id="3" name="文本占位符 2">
             <a:extLst>
               <a:ext uri="{FF2B5EF4-FFF2-40B4-BE49-F238E27FC236}">
-                <a16:creationId xmlns:a16="http://schemas.microsoft.com/office/drawing/2014/main" id="{10E32A39-2E9C-6AA5-8E34-45A038F054A7}"/>
+                <a16:creationId xmlns:a16="http://schemas.microsoft.com/office/drawing/2014/main" id="{EB46E2B1-8476-B1CF-49D7-450B92290264}"/>
               </a:ext>
             </a:extLst>
           </p:cNvPr>
@@ -2868,7 +2868,7 @@
           <p:cNvPr id="4" name="日期占位符 3">
             <a:extLst>
               <a:ext uri="{FF2B5EF4-FFF2-40B4-BE49-F238E27FC236}">
-                <a16:creationId xmlns:a16="http://schemas.microsoft.com/office/drawing/2014/main" id="{F4198436-8B0B-27EC-6D2F-2B20DBD1650D}"/>
+                <a16:creationId xmlns:a16="http://schemas.microsoft.com/office/drawing/2014/main" id="{755A1CFF-99BA-81BC-CBC5-600FB54273C5}"/>
               </a:ext>
             </a:extLst>
           </p:cNvPr>
@@ -2902,7 +2902,7 @@
             </a:lvl1pPr>
           </a:lstStyle>
           <a:p>
-            <a:fld id="{2719F5D7-7E2B-41D6-99F8-BED3B1524827}" type="datetimeFigureOut">
+            <a:fld id="{0C3EE303-75A6-4C1C-A064-CE1C04742F9E}" type="datetimeFigureOut">
               <a:rPr lang="zh-CN" altLang="en-US" smtClean="0"/>
               <a:t>2024/3/10</a:t>
             </a:fld>
@@ -2915,7 +2915,7 @@
           <p:cNvPr id="5" name="页脚占位符 4">
             <a:extLst>
               <a:ext uri="{FF2B5EF4-FFF2-40B4-BE49-F238E27FC236}">
-                <a16:creationId xmlns:a16="http://schemas.microsoft.com/office/drawing/2014/main" id="{BDAB879C-18F7-316A-EB71-B193891311F8}"/>
+                <a16:creationId xmlns:a16="http://schemas.microsoft.com/office/drawing/2014/main" id="{55005234-1296-E60F-A530-46634937DD17}"/>
               </a:ext>
             </a:extLst>
           </p:cNvPr>
@@ -2958,7 +2958,7 @@
           <p:cNvPr id="6" name="灯片编号占位符 5">
             <a:extLst>
               <a:ext uri="{FF2B5EF4-FFF2-40B4-BE49-F238E27FC236}">
-                <a16:creationId xmlns:a16="http://schemas.microsoft.com/office/drawing/2014/main" id="{484D64A3-B5AE-7DE5-B39F-C68E6ECF2881}"/>
+                <a16:creationId xmlns:a16="http://schemas.microsoft.com/office/drawing/2014/main" id="{BAF355C0-7F14-9413-6020-7A51137C39F1}"/>
               </a:ext>
             </a:extLst>
           </p:cNvPr>
@@ -2992,7 +2992,7 @@
             </a:lvl1pPr>
           </a:lstStyle>
           <a:p>
-            <a:fld id="{AEFFEFF5-6282-4123-BD4C-5BA6409D3199}" type="slidenum">
+            <a:fld id="{A61DFC18-B829-4749-9DDB-2D16B5E2AFAE}" type="slidenum">
               <a:rPr lang="zh-CN" altLang="en-US" smtClean="0"/>
               <a:t>‹#›</a:t>
             </a:fld>
@@ -3003,7 +3003,7 @@
     </p:spTree>
     <p:extLst>
       <p:ext uri="{BB962C8B-B14F-4D97-AF65-F5344CB8AC3E}">
-        <p14:creationId xmlns:p14="http://schemas.microsoft.com/office/powerpoint/2010/main" val="2957301729"/>
+        <p14:creationId xmlns:p14="http://schemas.microsoft.com/office/powerpoint/2010/main" val="757702363"/>
       </p:ext>
     </p:extLst>
   </p:cSld>
@@ -3323,7 +3323,7 @@
       </p:grpSpPr>
       <p:pic>
         <p:nvPicPr>
-          <p:cNvPr id="421890" name="Picture 2" descr="411"/>
+          <p:cNvPr id="422914" name="Picture 2" descr="412"/>
           <p:cNvPicPr>
             <a:picLocks noChangeAspect="1" noChangeArrowheads="1"/>
           </p:cNvPicPr>
@@ -3375,158 +3375,11 @@
           </a:extLst>
         </p:spPr>
       </p:pic>
-      <p:pic>
-        <p:nvPicPr>
-          <p:cNvPr id="422915" name="Picture 3" descr="411-2"/>
-          <p:cNvPicPr>
-            <a:picLocks noChangeAspect="1" noChangeArrowheads="1"/>
-          </p:cNvPicPr>
-          <p:nvPr/>
-        </p:nvPicPr>
-        <p:blipFill>
-          <a:blip r:embed="rId3">
-            <a:extLst>
-              <a:ext uri="{28A0092B-C50C-407E-A947-70E740481C1C}">
-                <a14:useLocalDpi xmlns:a14="http://schemas.microsoft.com/office/drawing/2010/main" val="0"/>
-              </a:ext>
-            </a:extLst>
-          </a:blip>
-          <a:srcRect/>
-          <a:stretch>
-            <a:fillRect/>
-          </a:stretch>
-        </p:blipFill>
-        <p:spPr bwMode="auto">
-          <a:xfrm>
-            <a:off x="1524000" y="44450"/>
-            <a:ext cx="9144000" cy="6858000"/>
-          </a:xfrm>
-          <a:prstGeom prst="rect">
-            <a:avLst/>
-          </a:prstGeom>
-          <a:noFill/>
-          <a:ln>
-            <a:noFill/>
-          </a:ln>
-          <a:effectLst/>
-          <a:extLst>
-            <a:ext uri="{909E8E84-426E-40DD-AFC4-6F175D3DCCD1}">
-              <a14:hiddenFill xmlns:a14="http://schemas.microsoft.com/office/drawing/2010/main">
-                <a:solidFill>
-                  <a:srgbClr val="FFFFFF"/>
-                </a:solidFill>
-              </a14:hiddenFill>
-            </a:ext>
-            <a:ext uri="{91240B29-F687-4F45-9708-019B960494DF}">
-              <a14:hiddenLine xmlns:a14="http://schemas.microsoft.com/office/drawing/2010/main" w="9525">
-                <a:solidFill>
-                  <a:srgbClr val="000000"/>
-                </a:solidFill>
-                <a:miter lim="800000"/>
-                <a:headEnd/>
-                <a:tailEnd/>
-              </a14:hiddenLine>
-            </a:ext>
-            <a:ext uri="{AF507438-7753-43E0-B8FC-AC1667EBCBE1}">
-              <a14:hiddenEffects xmlns:a14="http://schemas.microsoft.com/office/drawing/2010/main">
-                <a:effectLst>
-                  <a:outerShdw dist="35921" dir="2700000" algn="ctr" rotWithShape="0">
-                    <a:srgbClr val="808080"/>
-                  </a:outerShdw>
-                </a:effectLst>
-              </a14:hiddenEffects>
-            </a:ext>
-          </a:extLst>
-        </p:spPr>
-      </p:pic>
     </p:spTree>
   </p:cSld>
   <p:clrMapOvr>
     <a:masterClrMapping/>
   </p:clrMapOvr>
-  <p:timing>
-    <p:tnLst>
-      <p:par>
-        <p:cTn id="1" dur="indefinite" restart="never" nodeType="tmRoot">
-          <p:childTnLst>
-            <p:seq concurrent="1" nextAc="seek">
-              <p:cTn id="2" dur="indefinite" nodeType="mainSeq">
-                <p:childTnLst>
-                  <p:par>
-                    <p:cTn id="3" fill="hold" nodeType="clickPar">
-                      <p:stCondLst>
-                        <p:cond delay="indefinite"/>
-                      </p:stCondLst>
-                      <p:childTnLst>
-                        <p:par>
-                          <p:cTn id="4" fill="hold" nodeType="withGroup">
-                            <p:stCondLst>
-                              <p:cond delay="0"/>
-                            </p:stCondLst>
-                            <p:childTnLst>
-                              <p:par>
-                                <p:cTn id="5" presetID="10" presetClass="entr" presetSubtype="0" fill="hold" nodeType="clickEffect">
-                                  <p:stCondLst>
-                                    <p:cond delay="0"/>
-                                  </p:stCondLst>
-                                  <p:childTnLst>
-                                    <p:set>
-                                      <p:cBhvr>
-                                        <p:cTn id="6" dur="1" fill="hold">
-                                          <p:stCondLst>
-                                            <p:cond delay="0"/>
-                                          </p:stCondLst>
-                                        </p:cTn>
-                                        <p:tgtEl>
-                                          <p:spTgt spid="422915"/>
-                                        </p:tgtEl>
-                                        <p:attrNameLst>
-                                          <p:attrName>style.visibility</p:attrName>
-                                        </p:attrNameLst>
-                                      </p:cBhvr>
-                                      <p:to>
-                                        <p:strVal val="visible"/>
-                                      </p:to>
-                                    </p:set>
-                                    <p:animEffect transition="in" filter="fade">
-                                      <p:cBhvr>
-                                        <p:cTn id="7" dur="500"/>
-                                        <p:tgtEl>
-                                          <p:spTgt spid="422915"/>
-                                        </p:tgtEl>
-                                      </p:cBhvr>
-                                    </p:animEffect>
-                                  </p:childTnLst>
-                                </p:cTn>
-                              </p:par>
-                            </p:childTnLst>
-                          </p:cTn>
-                        </p:par>
-                      </p:childTnLst>
-                    </p:cTn>
-                  </p:par>
-                </p:childTnLst>
-              </p:cTn>
-              <p:prevCondLst>
-                <p:cond evt="onPrev" delay="0">
-                  <p:tgtEl>
-                    <p:sldTgt/>
-                  </p:tgtEl>
-                </p:cond>
-              </p:prevCondLst>
-              <p:nextCondLst>
-                <p:cond evt="onNext" delay="0">
-                  <p:tgtEl>
-                    <p:sldTgt/>
-                  </p:tgtEl>
-                </p:cond>
-              </p:nextCondLst>
-            </p:seq>
-          </p:childTnLst>
-        </p:cTn>
-      </p:par>
-    </p:tnLst>
-  </p:timing>
 </p:sld>
 </file>
 
